--- a/docs/presentation.pptx
+++ b/docs/presentation.pptx
@@ -3038,7 +3038,7 @@
       </p:grpSpPr>
       <p:pic>
         <p:nvPicPr>
-          <p:cNvPr id="1026" name="Picture 2" descr="C:\Users\root\Desktop\code\python\quantization_example\docs\scale.png"/>
+          <p:cNvPr id="2" name="Picture 2" descr="C:\Users\root\Desktop\code\python\quantization_example\docs\scale.png"/>
           <p:cNvPicPr>
             <a:picLocks noChangeAspect="1" noChangeArrowheads="1"/>
           </p:cNvPicPr>
@@ -3059,8 +3059,8 @@
         </p:blipFill>
         <p:spPr bwMode="auto">
           <a:xfrm>
-            <a:off x="1138525" y="1628800"/>
-            <a:ext cx="7154863" cy="3152775"/>
+            <a:off x="1187624" y="1412776"/>
+            <a:ext cx="7154862" cy="3155950"/>
           </a:xfrm>
           <a:prstGeom prst="rect">
             <a:avLst/>

--- a/docs/presentation.pptx
+++ b/docs/presentation.pptx
@@ -3109,7 +3109,7 @@
       </p:grpSpPr>
       <p:pic>
         <p:nvPicPr>
-          <p:cNvPr id="2050" name="Picture 2" descr="C:\Users\root\Desktop\code\python\quantization_example\docs\quantization.png"/>
+          <p:cNvPr id="1026" name="Picture 2" descr="C:\Users\root\Desktop\code\python\quantization_example\docs\quantization.png"/>
           <p:cNvPicPr>
             <a:picLocks noChangeAspect="1" noChangeArrowheads="1"/>
           </p:cNvPicPr>
@@ -3130,8 +3130,8 @@
         </p:blipFill>
         <p:spPr bwMode="auto">
           <a:xfrm>
-            <a:off x="2627784" y="476671"/>
-            <a:ext cx="4146202" cy="5857409"/>
+            <a:off x="2843808" y="188638"/>
+            <a:ext cx="4498424" cy="6408713"/>
           </a:xfrm>
           <a:prstGeom prst="rect">
             <a:avLst/>
